--- a/resources/images/K8S_HL_Overview.pptx
+++ b/resources/images/K8S_HL_Overview.pptx
@@ -10669,6 +10669,478 @@
           </a:fontRef>
         </p:style>
       </p:cxnSp>
+      <p:sp>
+        <p:nvSpPr>
+          <p:cNvPr id="2" name="Rectangle 1">
+            <a:extLst>
+              <a:ext uri="{FF2B5EF4-FFF2-40B4-BE49-F238E27FC236}">
+                <a16:creationId xmlns:a16="http://schemas.microsoft.com/office/drawing/2014/main" id="{4AB61B0A-087F-4F8C-8930-B0A58420936D}"/>
+              </a:ext>
+            </a:extLst>
+          </p:cNvPr>
+          <p:cNvSpPr/>
+          <p:nvPr/>
+        </p:nvSpPr>
+        <p:spPr bwMode="gray">
+          <a:xfrm>
+            <a:off x="1934306" y="1522534"/>
+            <a:ext cx="7280030" cy="1713034"/>
+          </a:xfrm>
+          <a:prstGeom prst="rect">
+            <a:avLst/>
+          </a:prstGeom>
+          <a:noFill/>
+          <a:ln w="25400" algn="ctr">
+            <a:solidFill>
+              <a:schemeClr val="accent1"/>
+            </a:solidFill>
+            <a:miter lim="800000"/>
+            <a:headEnd/>
+            <a:tailEnd/>
+          </a:ln>
+        </p:spPr>
+        <p:txBody>
+          <a:bodyPr lIns="90000" tIns="72000" rIns="90000" bIns="72000" rtlCol="0" anchor="ctr"/>
+          <a:lstStyle/>
+          <a:p>
+            <a:pPr marR="0" algn="ctr" defTabSz="914400" eaLnBrk="1" fontAlgn="base" latinLnBrk="0" hangingPunct="1">
+              <a:lnSpc>
+                <a:spcPct val="100000"/>
+              </a:lnSpc>
+              <a:spcBef>
+                <a:spcPct val="50000"/>
+              </a:spcBef>
+              <a:spcAft>
+                <a:spcPct val="0"/>
+              </a:spcAft>
+              <a:buClr>
+                <a:srgbClr val="F0AB00"/>
+              </a:buClr>
+              <a:buSzPct val="80000"/>
+              <a:tabLst/>
+            </a:pPr>
+            <a:endParaRPr kumimoji="0" lang="en-US" sz="1800" b="0" i="0" u="none" strike="noStrike" kern="0" cap="none" spc="0" normalizeH="0" baseline="0" noProof="0" dirty="0" err="1">
+              <a:ln>
+                <a:noFill/>
+              </a:ln>
+              <a:effectLst/>
+              <a:uLnTx/>
+              <a:uFillTx/>
+              <a:ea typeface="Arial Unicode MS" pitchFamily="34" charset="-128"/>
+              <a:cs typeface="Arial Unicode MS" pitchFamily="34" charset="-128"/>
+            </a:endParaRPr>
+          </a:p>
+        </p:txBody>
+      </p:sp>
+      <p:sp>
+        <p:nvSpPr>
+          <p:cNvPr id="31" name="Rectangle 30">
+            <a:extLst>
+              <a:ext uri="{FF2B5EF4-FFF2-40B4-BE49-F238E27FC236}">
+                <a16:creationId xmlns:a16="http://schemas.microsoft.com/office/drawing/2014/main" id="{453B5E50-BB99-4496-81D7-55AF178A0418}"/>
+              </a:ext>
+            </a:extLst>
+          </p:cNvPr>
+          <p:cNvSpPr/>
+          <p:nvPr/>
+        </p:nvSpPr>
+        <p:spPr bwMode="gray">
+          <a:xfrm>
+            <a:off x="1934306" y="4344153"/>
+            <a:ext cx="3585754" cy="756095"/>
+          </a:xfrm>
+          <a:prstGeom prst="rect">
+            <a:avLst/>
+          </a:prstGeom>
+          <a:noFill/>
+          <a:ln w="25400" algn="ctr">
+            <a:solidFill>
+              <a:schemeClr val="accent1"/>
+            </a:solidFill>
+            <a:miter lim="800000"/>
+            <a:headEnd/>
+            <a:tailEnd/>
+          </a:ln>
+        </p:spPr>
+        <p:txBody>
+          <a:bodyPr lIns="90000" tIns="72000" rIns="90000" bIns="72000" rtlCol="0" anchor="ctr"/>
+          <a:lstStyle/>
+          <a:p>
+            <a:pPr marR="0" algn="ctr" defTabSz="914400" eaLnBrk="1" fontAlgn="base" latinLnBrk="0" hangingPunct="1">
+              <a:lnSpc>
+                <a:spcPct val="100000"/>
+              </a:lnSpc>
+              <a:spcBef>
+                <a:spcPct val="50000"/>
+              </a:spcBef>
+              <a:spcAft>
+                <a:spcPct val="0"/>
+              </a:spcAft>
+              <a:buClr>
+                <a:srgbClr val="F0AB00"/>
+              </a:buClr>
+              <a:buSzPct val="80000"/>
+              <a:tabLst/>
+            </a:pPr>
+            <a:endParaRPr kumimoji="0" lang="en-US" sz="1800" b="0" i="0" u="none" strike="noStrike" kern="0" cap="none" spc="0" normalizeH="0" baseline="0" noProof="0" dirty="0" err="1">
+              <a:ln>
+                <a:noFill/>
+              </a:ln>
+              <a:effectLst/>
+              <a:uLnTx/>
+              <a:uFillTx/>
+              <a:ea typeface="Arial Unicode MS" pitchFamily="34" charset="-128"/>
+              <a:cs typeface="Arial Unicode MS" pitchFamily="34" charset="-128"/>
+            </a:endParaRPr>
+          </a:p>
+        </p:txBody>
+      </p:sp>
+      <p:sp>
+        <p:nvSpPr>
+          <p:cNvPr id="32" name="Rectangle 31">
+            <a:extLst>
+              <a:ext uri="{FF2B5EF4-FFF2-40B4-BE49-F238E27FC236}">
+                <a16:creationId xmlns:a16="http://schemas.microsoft.com/office/drawing/2014/main" id="{8AA9A5A1-A19A-4DD7-9193-A0E3FB21EB2C}"/>
+              </a:ext>
+            </a:extLst>
+          </p:cNvPr>
+          <p:cNvSpPr/>
+          <p:nvPr/>
+        </p:nvSpPr>
+        <p:spPr bwMode="gray">
+          <a:xfrm>
+            <a:off x="3933826" y="5159586"/>
+            <a:ext cx="4823312" cy="1434645"/>
+          </a:xfrm>
+          <a:prstGeom prst="rect">
+            <a:avLst/>
+          </a:prstGeom>
+          <a:noFill/>
+          <a:ln w="25400" algn="ctr">
+            <a:solidFill>
+              <a:schemeClr val="accent1"/>
+            </a:solidFill>
+            <a:miter lim="800000"/>
+            <a:headEnd/>
+            <a:tailEnd/>
+          </a:ln>
+        </p:spPr>
+        <p:txBody>
+          <a:bodyPr lIns="90000" tIns="72000" rIns="90000" bIns="72000" rtlCol="0" anchor="ctr"/>
+          <a:lstStyle/>
+          <a:p>
+            <a:pPr marR="0" algn="ctr" defTabSz="914400" eaLnBrk="1" fontAlgn="base" latinLnBrk="0" hangingPunct="1">
+              <a:lnSpc>
+                <a:spcPct val="100000"/>
+              </a:lnSpc>
+              <a:spcBef>
+                <a:spcPct val="50000"/>
+              </a:spcBef>
+              <a:spcAft>
+                <a:spcPct val="0"/>
+              </a:spcAft>
+              <a:buClr>
+                <a:srgbClr val="F0AB00"/>
+              </a:buClr>
+              <a:buSzPct val="80000"/>
+              <a:tabLst/>
+            </a:pPr>
+            <a:endParaRPr kumimoji="0" lang="en-US" sz="1800" b="0" i="0" u="none" strike="noStrike" kern="0" cap="none" spc="0" normalizeH="0" baseline="0" noProof="0" dirty="0" err="1">
+              <a:ln>
+                <a:noFill/>
+              </a:ln>
+              <a:effectLst/>
+              <a:uLnTx/>
+              <a:uFillTx/>
+              <a:ea typeface="Arial Unicode MS" pitchFamily="34" charset="-128"/>
+              <a:cs typeface="Arial Unicode MS" pitchFamily="34" charset="-128"/>
+            </a:endParaRPr>
+          </a:p>
+        </p:txBody>
+      </p:sp>
+      <p:sp>
+        <p:nvSpPr>
+          <p:cNvPr id="6" name="TextBox 5">
+            <a:extLst>
+              <a:ext uri="{FF2B5EF4-FFF2-40B4-BE49-F238E27FC236}">
+                <a16:creationId xmlns:a16="http://schemas.microsoft.com/office/drawing/2014/main" id="{7DB4ECE1-B1FF-45F0-BDCF-EEF13C0395F9}"/>
+              </a:ext>
+            </a:extLst>
+          </p:cNvPr>
+          <p:cNvSpPr txBox="1"/>
+          <p:nvPr/>
+        </p:nvSpPr>
+        <p:spPr>
+          <a:xfrm>
+            <a:off x="1088288" y="1748974"/>
+            <a:ext cx="1284006" cy="430887"/>
+          </a:xfrm>
+          <a:prstGeom prst="rect">
+            <a:avLst/>
+          </a:prstGeom>
+          <a:solidFill>
+            <a:schemeClr val="bg1">
+              <a:alpha val="58000"/>
+            </a:schemeClr>
+          </a:solidFill>
+        </p:spPr>
+        <p:txBody>
+          <a:bodyPr wrap="none" lIns="0" tIns="0" rIns="0" bIns="0" rtlCol="0">
+            <a:spAutoFit/>
+          </a:bodyPr>
+          <a:lstStyle/>
+          <a:p>
+            <a:pPr fontAlgn="base">
+              <a:spcBef>
+                <a:spcPct val="50000"/>
+              </a:spcBef>
+              <a:spcAft>
+                <a:spcPct val="0"/>
+              </a:spcAft>
+              <a:buClr>
+                <a:srgbClr val="F0AB00"/>
+              </a:buClr>
+              <a:buSzPct val="80000"/>
+            </a:pPr>
+            <a:r>
+              <a:rPr lang="en-US" sz="1400" kern="0" dirty="0">
+                <a:latin typeface="Arial Rounded MT Bold" panose="020F0704030504030204" pitchFamily="34" charset="0"/>
+                <a:ea typeface="Arial Unicode MS" pitchFamily="34" charset="-128"/>
+                <a:cs typeface="Arial Unicode MS" pitchFamily="34" charset="-128"/>
+              </a:rPr>
+              <a:t>a resource for </a:t>
+            </a:r>
+            <a:br>
+              <a:rPr lang="en-US" sz="1400" kern="0" dirty="0">
+                <a:latin typeface="Arial Rounded MT Bold" panose="020F0704030504030204" pitchFamily="34" charset="0"/>
+                <a:ea typeface="Arial Unicode MS" pitchFamily="34" charset="-128"/>
+                <a:cs typeface="Arial Unicode MS" pitchFamily="34" charset="-128"/>
+              </a:rPr>
+            </a:br>
+            <a:r>
+              <a:rPr lang="en-US" sz="1400" kern="0" dirty="0">
+                <a:latin typeface="Arial Rounded MT Bold" panose="020F0704030504030204" pitchFamily="34" charset="0"/>
+                <a:ea typeface="Arial Unicode MS" pitchFamily="34" charset="-128"/>
+                <a:cs typeface="Arial Unicode MS" pitchFamily="34" charset="-128"/>
+              </a:rPr>
+              <a:t>every purpose</a:t>
+            </a:r>
+          </a:p>
+        </p:txBody>
+      </p:sp>
+      <p:sp>
+        <p:nvSpPr>
+          <p:cNvPr id="34" name="TextBox 33">
+            <a:extLst>
+              <a:ext uri="{FF2B5EF4-FFF2-40B4-BE49-F238E27FC236}">
+                <a16:creationId xmlns:a16="http://schemas.microsoft.com/office/drawing/2014/main" id="{1FD219D1-1131-4A98-9434-F8EA6C49EEBF}"/>
+              </a:ext>
+            </a:extLst>
+          </p:cNvPr>
+          <p:cNvSpPr txBox="1"/>
+          <p:nvPr/>
+        </p:nvSpPr>
+        <p:spPr>
+          <a:xfrm>
+            <a:off x="1187044" y="4519195"/>
+            <a:ext cx="985847" cy="215444"/>
+          </a:xfrm>
+          <a:prstGeom prst="rect">
+            <a:avLst/>
+          </a:prstGeom>
+          <a:solidFill>
+            <a:schemeClr val="bg1">
+              <a:alpha val="58000"/>
+            </a:schemeClr>
+          </a:solidFill>
+        </p:spPr>
+        <p:txBody>
+          <a:bodyPr wrap="none" lIns="0" tIns="0" rIns="0" bIns="0" rtlCol="0">
+            <a:spAutoFit/>
+          </a:bodyPr>
+          <a:lstStyle>
+            <a:defPPr>
+              <a:defRPr lang="de-DE"/>
+            </a:defPPr>
+            <a:lvl1pPr fontAlgn="base">
+              <a:spcBef>
+                <a:spcPct val="50000"/>
+              </a:spcBef>
+              <a:spcAft>
+                <a:spcPct val="0"/>
+              </a:spcAft>
+              <a:buClr>
+                <a:srgbClr val="F0AB00"/>
+              </a:buClr>
+              <a:buSzPct val="80000"/>
+              <a:defRPr sz="1400" kern="0">
+                <a:latin typeface="Arial Rounded MT Bold" panose="020F0704030504030204" pitchFamily="34" charset="0"/>
+                <a:ea typeface="Arial Unicode MS" pitchFamily="34" charset="-128"/>
+                <a:cs typeface="Arial Unicode MS" pitchFamily="34" charset="-128"/>
+              </a:defRPr>
+            </a:lvl1pPr>
+          </a:lstStyle>
+          <a:p>
+            <a:r>
+              <a:rPr lang="en-US" dirty="0"/>
+              <a:t>networking</a:t>
+            </a:r>
+          </a:p>
+        </p:txBody>
+      </p:sp>
+      <p:sp>
+        <p:nvSpPr>
+          <p:cNvPr id="35" name="TextBox 34">
+            <a:extLst>
+              <a:ext uri="{FF2B5EF4-FFF2-40B4-BE49-F238E27FC236}">
+                <a16:creationId xmlns:a16="http://schemas.microsoft.com/office/drawing/2014/main" id="{8E6776E6-95DF-4326-B02F-33B680F021F4}"/>
+              </a:ext>
+            </a:extLst>
+          </p:cNvPr>
+          <p:cNvSpPr txBox="1"/>
+          <p:nvPr/>
+        </p:nvSpPr>
+        <p:spPr>
+          <a:xfrm>
+            <a:off x="8067898" y="5285612"/>
+            <a:ext cx="1567737" cy="215444"/>
+          </a:xfrm>
+          <a:prstGeom prst="rect">
+            <a:avLst/>
+          </a:prstGeom>
+          <a:solidFill>
+            <a:schemeClr val="bg1">
+              <a:alpha val="58000"/>
+            </a:schemeClr>
+          </a:solidFill>
+        </p:spPr>
+        <p:txBody>
+          <a:bodyPr wrap="none" lIns="0" tIns="0" rIns="0" bIns="0" rtlCol="0">
+            <a:spAutoFit/>
+          </a:bodyPr>
+          <a:lstStyle>
+            <a:defPPr>
+              <a:defRPr lang="de-DE"/>
+            </a:defPPr>
+            <a:lvl1pPr fontAlgn="base">
+              <a:spcBef>
+                <a:spcPct val="50000"/>
+              </a:spcBef>
+              <a:spcAft>
+                <a:spcPct val="0"/>
+              </a:spcAft>
+              <a:buClr>
+                <a:srgbClr val="F0AB00"/>
+              </a:buClr>
+              <a:buSzPct val="80000"/>
+              <a:defRPr sz="1400" kern="0">
+                <a:latin typeface="Arial Rounded MT Bold" panose="020F0704030504030204" pitchFamily="34" charset="0"/>
+                <a:ea typeface="Arial Unicode MS" pitchFamily="34" charset="-128"/>
+                <a:cs typeface="Arial Unicode MS" pitchFamily="34" charset="-128"/>
+              </a:defRPr>
+            </a:lvl1pPr>
+          </a:lstStyle>
+          <a:p>
+            <a:r>
+              <a:rPr lang="en-US" dirty="0"/>
+              <a:t>data / persistence</a:t>
+            </a:r>
+          </a:p>
+        </p:txBody>
+      </p:sp>
+      <p:cxnSp>
+        <p:nvCxnSpPr>
+          <p:cNvPr id="22" name="Straight Arrow Connector 21">
+            <a:extLst>
+              <a:ext uri="{FF2B5EF4-FFF2-40B4-BE49-F238E27FC236}">
+                <a16:creationId xmlns:a16="http://schemas.microsoft.com/office/drawing/2014/main" id="{91467FA9-E653-4522-9AAB-5547771E9A87}"/>
+              </a:ext>
+            </a:extLst>
+          </p:cNvPr>
+          <p:cNvCxnSpPr/>
+          <p:nvPr/>
+        </p:nvCxnSpPr>
+        <p:spPr>
+          <a:xfrm>
+            <a:off x="1219197" y="6203934"/>
+            <a:ext cx="409278" cy="0"/>
+          </a:xfrm>
+          <a:prstGeom prst="straightConnector1">
+            <a:avLst/>
+          </a:prstGeom>
+          <a:ln w="19050">
+            <a:solidFill>
+              <a:schemeClr val="tx1"/>
+            </a:solidFill>
+            <a:headEnd type="none" w="med" len="med"/>
+            <a:tailEnd type="triangle"/>
+          </a:ln>
+        </p:spPr>
+        <p:style>
+          <a:lnRef idx="1">
+            <a:schemeClr val="accent1"/>
+          </a:lnRef>
+          <a:fillRef idx="0">
+            <a:schemeClr val="accent1"/>
+          </a:fillRef>
+          <a:effectRef idx="0">
+            <a:schemeClr val="accent1"/>
+          </a:effectRef>
+          <a:fontRef idx="minor">
+            <a:schemeClr val="tx1"/>
+          </a:fontRef>
+        </p:style>
+      </p:cxnSp>
+      <p:sp>
+        <p:nvSpPr>
+          <p:cNvPr id="24" name="TextBox 23">
+            <a:extLst>
+              <a:ext uri="{FF2B5EF4-FFF2-40B4-BE49-F238E27FC236}">
+                <a16:creationId xmlns:a16="http://schemas.microsoft.com/office/drawing/2014/main" id="{5A418264-CAD2-49CB-98A8-CF0AACEA9BAC}"/>
+              </a:ext>
+            </a:extLst>
+          </p:cNvPr>
+          <p:cNvSpPr txBox="1"/>
+          <p:nvPr/>
+        </p:nvSpPr>
+        <p:spPr>
+          <a:xfrm>
+            <a:off x="1702675" y="6088324"/>
+            <a:ext cx="1154162" cy="215444"/>
+          </a:xfrm>
+          <a:prstGeom prst="rect">
+            <a:avLst/>
+          </a:prstGeom>
+          <a:noFill/>
+        </p:spPr>
+        <p:txBody>
+          <a:bodyPr wrap="none" lIns="0" tIns="0" rIns="0" bIns="0" rtlCol="0">
+            <a:spAutoFit/>
+          </a:bodyPr>
+          <a:lstStyle/>
+          <a:p>
+            <a:pPr fontAlgn="base">
+              <a:spcBef>
+                <a:spcPct val="50000"/>
+              </a:spcBef>
+              <a:spcAft>
+                <a:spcPct val="0"/>
+              </a:spcAft>
+              <a:buClr>
+                <a:srgbClr val="F0AB00"/>
+              </a:buClr>
+              <a:buSzPct val="80000"/>
+            </a:pPr>
+            <a:r>
+              <a:rPr lang="en-US" sz="1400" kern="0" dirty="0">
+                <a:ea typeface="Arial Unicode MS" pitchFamily="34" charset="-128"/>
+                <a:cs typeface="Arial Unicode MS" pitchFamily="34" charset="-128"/>
+              </a:rPr>
+              <a:t>uses / controls</a:t>
+            </a:r>
+          </a:p>
+        </p:txBody>
+      </p:sp>
     </p:spTree>
     <p:extLst>
       <p:ext uri="{BB962C8B-B14F-4D97-AF65-F5344CB8AC3E}">

--- a/resources/images/K8S_HL_Overview.pptx
+++ b/resources/images/K8S_HL_Overview.pptx
@@ -9172,7 +9172,7 @@
         </p:nvSpPr>
         <p:spPr bwMode="gray">
           <a:xfrm>
-            <a:off x="4066444" y="4454770"/>
+            <a:off x="2448663" y="4454770"/>
             <a:ext cx="1318846" cy="565639"/>
           </a:xfrm>
           <a:prstGeom prst="roundRect">
@@ -9689,7 +9689,7 @@
         </p:nvSpPr>
         <p:spPr bwMode="gray">
           <a:xfrm>
-            <a:off x="2482363" y="4451820"/>
+            <a:off x="864582" y="4451820"/>
             <a:ext cx="1318846" cy="565639"/>
           </a:xfrm>
           <a:prstGeom prst="roundRect">
@@ -10357,13 +10357,13 @@
             </a:extLst>
           </p:cNvPr>
           <p:cNvCxnSpPr>
-            <a:stCxn id="9" idx="0"/>
+            <a:cxnSpLocks/>
           </p:cNvCxnSpPr>
           <p:nvPr/>
         </p:nvCxnSpPr>
         <p:spPr>
           <a:xfrm rot="5400000" flipH="1" flipV="1">
-            <a:off x="5005632" y="3782279"/>
+            <a:off x="5033475" y="3762478"/>
             <a:ext cx="392726" cy="952257"/>
           </a:xfrm>
           <a:prstGeom prst="bentConnector2">
@@ -10409,7 +10409,7 @@
         </p:nvCxnSpPr>
         <p:spPr>
           <a:xfrm>
-            <a:off x="3801209" y="4734640"/>
+            <a:off x="2183428" y="4734640"/>
             <a:ext cx="265235" cy="2950"/>
           </a:xfrm>
           <a:prstGeom prst="bentConnector3">
@@ -10746,8 +10746,8 @@
         </p:nvSpPr>
         <p:spPr bwMode="gray">
           <a:xfrm>
-            <a:off x="1934306" y="4344153"/>
-            <a:ext cx="3585754" cy="756095"/>
+            <a:off x="504001" y="4344153"/>
+            <a:ext cx="5016059" cy="756095"/>
           </a:xfrm>
           <a:prstGeom prst="rect">
             <a:avLst/>
@@ -10872,7 +10872,7 @@
         </p:nvSpPr>
         <p:spPr>
           <a:xfrm>
-            <a:off x="1088288" y="1748974"/>
+            <a:off x="2119104" y="1586212"/>
             <a:ext cx="1284006" cy="430887"/>
           </a:xfrm>
           <a:prstGeom prst="rect">
@@ -10924,66 +10924,6 @@
                 <a:cs typeface="Arial Unicode MS" pitchFamily="34" charset="-128"/>
               </a:rPr>
               <a:t>every purpose</a:t>
-            </a:r>
-          </a:p>
-        </p:txBody>
-      </p:sp>
-      <p:sp>
-        <p:nvSpPr>
-          <p:cNvPr id="34" name="TextBox 33">
-            <a:extLst>
-              <a:ext uri="{FF2B5EF4-FFF2-40B4-BE49-F238E27FC236}">
-                <a16:creationId xmlns:a16="http://schemas.microsoft.com/office/drawing/2014/main" id="{1FD219D1-1131-4A98-9434-F8EA6C49EEBF}"/>
-              </a:ext>
-            </a:extLst>
-          </p:cNvPr>
-          <p:cNvSpPr txBox="1"/>
-          <p:nvPr/>
-        </p:nvSpPr>
-        <p:spPr>
-          <a:xfrm>
-            <a:off x="1187044" y="4519195"/>
-            <a:ext cx="985847" cy="215444"/>
-          </a:xfrm>
-          <a:prstGeom prst="rect">
-            <a:avLst/>
-          </a:prstGeom>
-          <a:solidFill>
-            <a:schemeClr val="bg1">
-              <a:alpha val="58000"/>
-            </a:schemeClr>
-          </a:solidFill>
-        </p:spPr>
-        <p:txBody>
-          <a:bodyPr wrap="none" lIns="0" tIns="0" rIns="0" bIns="0" rtlCol="0">
-            <a:spAutoFit/>
-          </a:bodyPr>
-          <a:lstStyle>
-            <a:defPPr>
-              <a:defRPr lang="de-DE"/>
-            </a:defPPr>
-            <a:lvl1pPr fontAlgn="base">
-              <a:spcBef>
-                <a:spcPct val="50000"/>
-              </a:spcBef>
-              <a:spcAft>
-                <a:spcPct val="0"/>
-              </a:spcAft>
-              <a:buClr>
-                <a:srgbClr val="F0AB00"/>
-              </a:buClr>
-              <a:buSzPct val="80000"/>
-              <a:defRPr sz="1400" kern="0">
-                <a:latin typeface="Arial Rounded MT Bold" panose="020F0704030504030204" pitchFamily="34" charset="0"/>
-                <a:ea typeface="Arial Unicode MS" pitchFamily="34" charset="-128"/>
-                <a:cs typeface="Arial Unicode MS" pitchFamily="34" charset="-128"/>
-              </a:defRPr>
-            </a:lvl1pPr>
-          </a:lstStyle>
-          <a:p>
-            <a:r>
-              <a:rPr lang="en-US" dirty="0"/>
-              <a:t>networking</a:t>
             </a:r>
           </a:p>
         </p:txBody>
@@ -11002,7 +10942,7 @@
         </p:nvSpPr>
         <p:spPr>
           <a:xfrm>
-            <a:off x="8067898" y="5285612"/>
+            <a:off x="7403077" y="4897297"/>
             <a:ext cx="1567737" cy="215444"/>
           </a:xfrm>
           <a:prstGeom prst="rect">
@@ -11137,6 +11077,818 @@
                 <a:cs typeface="Arial Unicode MS" pitchFamily="34" charset="-128"/>
               </a:rPr>
               <a:t>uses / controls</a:t>
+            </a:r>
+          </a:p>
+        </p:txBody>
+      </p:sp>
+      <p:sp>
+        <p:nvSpPr>
+          <p:cNvPr id="38" name="TextBox 37">
+            <a:extLst>
+              <a:ext uri="{FF2B5EF4-FFF2-40B4-BE49-F238E27FC236}">
+                <a16:creationId xmlns:a16="http://schemas.microsoft.com/office/drawing/2014/main" id="{1C09E1CC-6970-4FD9-8AC4-50A4089FFEEA}"/>
+              </a:ext>
+            </a:extLst>
+          </p:cNvPr>
+          <p:cNvSpPr txBox="1"/>
+          <p:nvPr/>
+        </p:nvSpPr>
+        <p:spPr>
+          <a:xfrm>
+            <a:off x="523679" y="4092428"/>
+            <a:ext cx="985847" cy="215444"/>
+          </a:xfrm>
+          <a:prstGeom prst="rect">
+            <a:avLst/>
+          </a:prstGeom>
+          <a:solidFill>
+            <a:schemeClr val="bg1">
+              <a:alpha val="58000"/>
+            </a:schemeClr>
+          </a:solidFill>
+        </p:spPr>
+        <p:txBody>
+          <a:bodyPr wrap="none" lIns="0" tIns="0" rIns="0" bIns="0" rtlCol="0">
+            <a:spAutoFit/>
+          </a:bodyPr>
+          <a:lstStyle>
+            <a:defPPr>
+              <a:defRPr lang="de-DE"/>
+            </a:defPPr>
+            <a:lvl1pPr fontAlgn="base">
+              <a:spcBef>
+                <a:spcPct val="50000"/>
+              </a:spcBef>
+              <a:spcAft>
+                <a:spcPct val="0"/>
+              </a:spcAft>
+              <a:buClr>
+                <a:srgbClr val="F0AB00"/>
+              </a:buClr>
+              <a:buSzPct val="80000"/>
+              <a:defRPr sz="1400" kern="0">
+                <a:latin typeface="Arial Rounded MT Bold" panose="020F0704030504030204" pitchFamily="34" charset="0"/>
+                <a:ea typeface="Arial Unicode MS" pitchFamily="34" charset="-128"/>
+                <a:cs typeface="Arial Unicode MS" pitchFamily="34" charset="-128"/>
+              </a:defRPr>
+            </a:lvl1pPr>
+          </a:lstStyle>
+          <a:p>
+            <a:r>
+              <a:rPr lang="en-US" dirty="0"/>
+              <a:t>networking</a:t>
+            </a:r>
+          </a:p>
+        </p:txBody>
+      </p:sp>
+      <p:sp>
+        <p:nvSpPr>
+          <p:cNvPr id="40" name="Rectangle: Rounded Corners 39">
+            <a:extLst>
+              <a:ext uri="{FF2B5EF4-FFF2-40B4-BE49-F238E27FC236}">
+                <a16:creationId xmlns:a16="http://schemas.microsoft.com/office/drawing/2014/main" id="{98A8C26E-40CA-4772-8BB9-FD28401DDE3F}"/>
+              </a:ext>
+            </a:extLst>
+          </p:cNvPr>
+          <p:cNvSpPr/>
+          <p:nvPr/>
+        </p:nvSpPr>
+        <p:spPr bwMode="gray">
+          <a:xfrm>
+            <a:off x="4066445" y="4439380"/>
+            <a:ext cx="1318846" cy="565639"/>
+          </a:xfrm>
+          <a:prstGeom prst="roundRect">
+            <a:avLst/>
+          </a:prstGeom>
+          <a:solidFill>
+            <a:srgbClr val="66CCFF"/>
+          </a:solidFill>
+          <a:ln w="12700" algn="ctr">
+            <a:solidFill>
+              <a:schemeClr val="bg1">
+                <a:lumMod val="75000"/>
+              </a:schemeClr>
+            </a:solidFill>
+            <a:miter lim="800000"/>
+            <a:headEnd/>
+            <a:tailEnd/>
+          </a:ln>
+        </p:spPr>
+        <p:txBody>
+          <a:bodyPr lIns="90000" tIns="72000" rIns="90000" bIns="72000" rtlCol="0" anchor="ctr"/>
+          <a:lstStyle/>
+          <a:p>
+            <a:pPr marR="0" algn="ctr" defTabSz="914400" eaLnBrk="1" fontAlgn="base" latinLnBrk="0" hangingPunct="1">
+              <a:lnSpc>
+                <a:spcPct val="100000"/>
+              </a:lnSpc>
+              <a:spcBef>
+                <a:spcPct val="50000"/>
+              </a:spcBef>
+              <a:spcAft>
+                <a:spcPct val="0"/>
+              </a:spcAft>
+              <a:buClr>
+                <a:srgbClr val="F0AB00"/>
+              </a:buClr>
+              <a:buSzPct val="80000"/>
+              <a:tabLst/>
+            </a:pPr>
+            <a:r>
+              <a:rPr kumimoji="0" lang="en-US" sz="1400" b="0" i="0" u="none" strike="noStrike" kern="0" cap="none" spc="0" normalizeH="0" baseline="0" noProof="0" dirty="0">
+                <a:ln>
+                  <a:noFill/>
+                </a:ln>
+                <a:effectLst/>
+                <a:uLnTx/>
+                <a:uFillTx/>
+                <a:ea typeface="Arial Unicode MS" pitchFamily="34" charset="-128"/>
+                <a:cs typeface="Arial Unicode MS" pitchFamily="34" charset="-128"/>
+              </a:rPr>
+              <a:t>Endpoint</a:t>
+            </a:r>
+          </a:p>
+        </p:txBody>
+      </p:sp>
+      <p:cxnSp>
+        <p:nvCxnSpPr>
+          <p:cNvPr id="42" name="Connector: Elbow 41">
+            <a:extLst>
+              <a:ext uri="{FF2B5EF4-FFF2-40B4-BE49-F238E27FC236}">
+                <a16:creationId xmlns:a16="http://schemas.microsoft.com/office/drawing/2014/main" id="{3D05F7E3-44FD-4374-B594-3B5F41B3EAB7}"/>
+              </a:ext>
+            </a:extLst>
+          </p:cNvPr>
+          <p:cNvCxnSpPr>
+            <a:cxnSpLocks/>
+          </p:cNvCxnSpPr>
+          <p:nvPr/>
+        </p:nvCxnSpPr>
+        <p:spPr>
+          <a:xfrm flipV="1">
+            <a:off x="3787821" y="4737936"/>
+            <a:ext cx="287709" cy="2441"/>
+          </a:xfrm>
+          <a:prstGeom prst="bentConnector3">
+            <a:avLst/>
+          </a:prstGeom>
+          <a:ln w="25400">
+            <a:solidFill>
+              <a:schemeClr val="tx1"/>
+            </a:solidFill>
+            <a:headEnd type="none" w="med" len="med"/>
+            <a:tailEnd type="triangle"/>
+          </a:ln>
+        </p:spPr>
+        <p:style>
+          <a:lnRef idx="1">
+            <a:schemeClr val="accent1"/>
+          </a:lnRef>
+          <a:fillRef idx="0">
+            <a:schemeClr val="accent1"/>
+          </a:fillRef>
+          <a:effectRef idx="0">
+            <a:schemeClr val="accent1"/>
+          </a:effectRef>
+          <a:fontRef idx="minor">
+            <a:schemeClr val="tx1"/>
+          </a:fontRef>
+        </p:style>
+      </p:cxnSp>
+      <p:sp>
+        <p:nvSpPr>
+          <p:cNvPr id="46" name="Rectangle: Rounded Corners 45">
+            <a:extLst>
+              <a:ext uri="{FF2B5EF4-FFF2-40B4-BE49-F238E27FC236}">
+                <a16:creationId xmlns:a16="http://schemas.microsoft.com/office/drawing/2014/main" id="{C98965CC-D284-42CE-9C7E-D80736C3C187}"/>
+              </a:ext>
+            </a:extLst>
+          </p:cNvPr>
+          <p:cNvSpPr/>
+          <p:nvPr/>
+        </p:nvSpPr>
+        <p:spPr bwMode="gray">
+          <a:xfrm>
+            <a:off x="9869137" y="1648047"/>
+            <a:ext cx="1523873" cy="565639"/>
+          </a:xfrm>
+          <a:prstGeom prst="roundRect">
+            <a:avLst/>
+          </a:prstGeom>
+          <a:solidFill>
+            <a:srgbClr val="66CCFF"/>
+          </a:solidFill>
+          <a:ln w="12700" algn="ctr">
+            <a:solidFill>
+              <a:schemeClr val="bg1">
+                <a:lumMod val="75000"/>
+              </a:schemeClr>
+            </a:solidFill>
+            <a:miter lim="800000"/>
+            <a:headEnd/>
+            <a:tailEnd/>
+          </a:ln>
+        </p:spPr>
+        <p:txBody>
+          <a:bodyPr lIns="90000" tIns="72000" rIns="90000" bIns="72000" rtlCol="0" anchor="ctr"/>
+          <a:lstStyle/>
+          <a:p>
+            <a:pPr marR="0" algn="ctr" defTabSz="914400" eaLnBrk="1" fontAlgn="base" latinLnBrk="0" hangingPunct="1">
+              <a:lnSpc>
+                <a:spcPct val="100000"/>
+              </a:lnSpc>
+              <a:spcBef>
+                <a:spcPct val="50000"/>
+              </a:spcBef>
+              <a:spcAft>
+                <a:spcPct val="0"/>
+              </a:spcAft>
+              <a:buClr>
+                <a:srgbClr val="F0AB00"/>
+              </a:buClr>
+              <a:buSzPct val="80000"/>
+              <a:tabLst/>
+            </a:pPr>
+            <a:r>
+              <a:rPr kumimoji="0" lang="en-US" sz="1400" b="0" i="0" u="none" strike="noStrike" kern="0" cap="none" spc="0" normalizeH="0" baseline="0" noProof="0" dirty="0" err="1">
+                <a:ln>
+                  <a:noFill/>
+                </a:ln>
+                <a:effectLst/>
+                <a:uLnTx/>
+                <a:uFillTx/>
+                <a:ea typeface="Arial Unicode MS" pitchFamily="34" charset="-128"/>
+                <a:cs typeface="Arial Unicode MS" pitchFamily="34" charset="-128"/>
+              </a:rPr>
+              <a:t>ResourceQuota</a:t>
+            </a:r>
+            <a:endParaRPr kumimoji="0" lang="en-US" sz="1400" b="0" i="0" u="none" strike="noStrike" kern="0" cap="none" spc="0" normalizeH="0" baseline="0" noProof="0" dirty="0">
+              <a:ln>
+                <a:noFill/>
+              </a:ln>
+              <a:effectLst/>
+              <a:uLnTx/>
+              <a:uFillTx/>
+              <a:ea typeface="Arial Unicode MS" pitchFamily="34" charset="-128"/>
+              <a:cs typeface="Arial Unicode MS" pitchFamily="34" charset="-128"/>
+            </a:endParaRPr>
+          </a:p>
+        </p:txBody>
+      </p:sp>
+      <p:sp>
+        <p:nvSpPr>
+          <p:cNvPr id="48" name="Rectangle: Rounded Corners 47">
+            <a:extLst>
+              <a:ext uri="{FF2B5EF4-FFF2-40B4-BE49-F238E27FC236}">
+                <a16:creationId xmlns:a16="http://schemas.microsoft.com/office/drawing/2014/main" id="{EB7FB4D8-D7CD-4A4A-B243-5CCBE4A05763}"/>
+              </a:ext>
+            </a:extLst>
+          </p:cNvPr>
+          <p:cNvSpPr/>
+          <p:nvPr/>
+        </p:nvSpPr>
+        <p:spPr bwMode="gray">
+          <a:xfrm>
+            <a:off x="9869136" y="2366076"/>
+            <a:ext cx="1523873" cy="565639"/>
+          </a:xfrm>
+          <a:prstGeom prst="roundRect">
+            <a:avLst/>
+          </a:prstGeom>
+          <a:solidFill>
+            <a:srgbClr val="66CCFF"/>
+          </a:solidFill>
+          <a:ln w="12700" algn="ctr">
+            <a:solidFill>
+              <a:schemeClr val="bg1">
+                <a:lumMod val="75000"/>
+              </a:schemeClr>
+            </a:solidFill>
+            <a:miter lim="800000"/>
+            <a:headEnd/>
+            <a:tailEnd/>
+          </a:ln>
+        </p:spPr>
+        <p:txBody>
+          <a:bodyPr lIns="90000" tIns="72000" rIns="90000" bIns="72000" rtlCol="0" anchor="ctr"/>
+          <a:lstStyle/>
+          <a:p>
+            <a:pPr marR="0" algn="ctr" defTabSz="914400" eaLnBrk="1" fontAlgn="base" latinLnBrk="0" hangingPunct="1">
+              <a:lnSpc>
+                <a:spcPct val="100000"/>
+              </a:lnSpc>
+              <a:spcBef>
+                <a:spcPct val="50000"/>
+              </a:spcBef>
+              <a:spcAft>
+                <a:spcPct val="0"/>
+              </a:spcAft>
+              <a:buClr>
+                <a:srgbClr val="F0AB00"/>
+              </a:buClr>
+              <a:buSzPct val="80000"/>
+              <a:tabLst/>
+            </a:pPr>
+            <a:r>
+              <a:rPr kumimoji="0" lang="en-US" sz="1400" b="0" i="0" u="none" strike="noStrike" kern="0" cap="none" spc="0" normalizeH="0" baseline="0" noProof="0" dirty="0" err="1">
+                <a:ln>
+                  <a:noFill/>
+                </a:ln>
+                <a:effectLst/>
+                <a:uLnTx/>
+                <a:uFillTx/>
+                <a:ea typeface="Arial Unicode MS" pitchFamily="34" charset="-128"/>
+                <a:cs typeface="Arial Unicode MS" pitchFamily="34" charset="-128"/>
+              </a:rPr>
+              <a:t>LimitRange</a:t>
+            </a:r>
+            <a:endParaRPr kumimoji="0" lang="en-US" sz="1400" b="0" i="0" u="none" strike="noStrike" kern="0" cap="none" spc="0" normalizeH="0" baseline="0" noProof="0" dirty="0">
+              <a:ln>
+                <a:noFill/>
+              </a:ln>
+              <a:effectLst/>
+              <a:uLnTx/>
+              <a:uFillTx/>
+              <a:ea typeface="Arial Unicode MS" pitchFamily="34" charset="-128"/>
+              <a:cs typeface="Arial Unicode MS" pitchFamily="34" charset="-128"/>
+            </a:endParaRPr>
+          </a:p>
+        </p:txBody>
+      </p:sp>
+      <p:sp>
+        <p:nvSpPr>
+          <p:cNvPr id="50" name="Rectangle: Rounded Corners 49">
+            <a:extLst>
+              <a:ext uri="{FF2B5EF4-FFF2-40B4-BE49-F238E27FC236}">
+                <a16:creationId xmlns:a16="http://schemas.microsoft.com/office/drawing/2014/main" id="{89716035-5C71-4201-8F38-8885D0D09134}"/>
+              </a:ext>
+            </a:extLst>
+          </p:cNvPr>
+          <p:cNvSpPr/>
+          <p:nvPr/>
+        </p:nvSpPr>
+        <p:spPr bwMode="gray">
+          <a:xfrm>
+            <a:off x="9869137" y="4320492"/>
+            <a:ext cx="1523873" cy="565639"/>
+          </a:xfrm>
+          <a:prstGeom prst="roundRect">
+            <a:avLst/>
+          </a:prstGeom>
+          <a:solidFill>
+            <a:srgbClr val="66CCFF"/>
+          </a:solidFill>
+          <a:ln w="12700" algn="ctr">
+            <a:solidFill>
+              <a:schemeClr val="bg1">
+                <a:lumMod val="75000"/>
+              </a:schemeClr>
+            </a:solidFill>
+            <a:miter lim="800000"/>
+            <a:headEnd/>
+            <a:tailEnd/>
+          </a:ln>
+        </p:spPr>
+        <p:txBody>
+          <a:bodyPr lIns="90000" tIns="72000" rIns="90000" bIns="72000" rtlCol="0" anchor="ctr"/>
+          <a:lstStyle/>
+          <a:p>
+            <a:pPr marR="0" algn="ctr" defTabSz="914400" eaLnBrk="1" fontAlgn="base" latinLnBrk="0" hangingPunct="1">
+              <a:lnSpc>
+                <a:spcPct val="100000"/>
+              </a:lnSpc>
+              <a:spcBef>
+                <a:spcPct val="50000"/>
+              </a:spcBef>
+              <a:spcAft>
+                <a:spcPct val="0"/>
+              </a:spcAft>
+              <a:buClr>
+                <a:srgbClr val="F0AB00"/>
+              </a:buClr>
+              <a:buSzPct val="80000"/>
+              <a:tabLst/>
+            </a:pPr>
+            <a:r>
+              <a:rPr kumimoji="0" lang="en-US" sz="1400" b="0" i="0" u="none" strike="noStrike" kern="0" cap="none" spc="0" normalizeH="0" baseline="0" noProof="0" dirty="0" err="1">
+                <a:ln>
+                  <a:noFill/>
+                </a:ln>
+                <a:effectLst/>
+                <a:uLnTx/>
+                <a:uFillTx/>
+                <a:ea typeface="Arial Unicode MS" pitchFamily="34" charset="-128"/>
+                <a:cs typeface="Arial Unicode MS" pitchFamily="34" charset="-128"/>
+              </a:rPr>
+              <a:t>ServiceAccount</a:t>
+            </a:r>
+            <a:endParaRPr kumimoji="0" lang="en-US" sz="1400" b="0" i="0" u="none" strike="noStrike" kern="0" cap="none" spc="0" normalizeH="0" baseline="0" noProof="0" dirty="0">
+              <a:ln>
+                <a:noFill/>
+              </a:ln>
+              <a:effectLst/>
+              <a:uLnTx/>
+              <a:uFillTx/>
+              <a:ea typeface="Arial Unicode MS" pitchFamily="34" charset="-128"/>
+              <a:cs typeface="Arial Unicode MS" pitchFamily="34" charset="-128"/>
+            </a:endParaRPr>
+          </a:p>
+        </p:txBody>
+      </p:sp>
+      <p:sp>
+        <p:nvSpPr>
+          <p:cNvPr id="51" name="Rectangle 50">
+            <a:extLst>
+              <a:ext uri="{FF2B5EF4-FFF2-40B4-BE49-F238E27FC236}">
+                <a16:creationId xmlns:a16="http://schemas.microsoft.com/office/drawing/2014/main" id="{454336AE-DAEB-4AE7-B821-DE7C2BE0F156}"/>
+              </a:ext>
+            </a:extLst>
+          </p:cNvPr>
+          <p:cNvSpPr/>
+          <p:nvPr/>
+        </p:nvSpPr>
+        <p:spPr bwMode="gray">
+          <a:xfrm>
+            <a:off x="9581667" y="1522534"/>
+            <a:ext cx="2092821" cy="1713034"/>
+          </a:xfrm>
+          <a:prstGeom prst="rect">
+            <a:avLst/>
+          </a:prstGeom>
+          <a:noFill/>
+          <a:ln w="25400" algn="ctr">
+            <a:solidFill>
+              <a:schemeClr val="accent1"/>
+            </a:solidFill>
+            <a:miter lim="800000"/>
+            <a:headEnd/>
+            <a:tailEnd/>
+          </a:ln>
+        </p:spPr>
+        <p:txBody>
+          <a:bodyPr lIns="90000" tIns="72000" rIns="90000" bIns="72000" rtlCol="0" anchor="ctr"/>
+          <a:lstStyle/>
+          <a:p>
+            <a:pPr marR="0" algn="ctr" defTabSz="914400" eaLnBrk="1" fontAlgn="base" latinLnBrk="0" hangingPunct="1">
+              <a:lnSpc>
+                <a:spcPct val="100000"/>
+              </a:lnSpc>
+              <a:spcBef>
+                <a:spcPct val="50000"/>
+              </a:spcBef>
+              <a:spcAft>
+                <a:spcPct val="0"/>
+              </a:spcAft>
+              <a:buClr>
+                <a:srgbClr val="F0AB00"/>
+              </a:buClr>
+              <a:buSzPct val="80000"/>
+              <a:tabLst/>
+            </a:pPr>
+            <a:endParaRPr kumimoji="0" lang="en-US" sz="1800" b="0" i="0" u="none" strike="noStrike" kern="0" cap="none" spc="0" normalizeH="0" baseline="0" noProof="0" dirty="0" err="1">
+              <a:ln>
+                <a:noFill/>
+              </a:ln>
+              <a:effectLst/>
+              <a:uLnTx/>
+              <a:uFillTx/>
+              <a:ea typeface="Arial Unicode MS" pitchFamily="34" charset="-128"/>
+              <a:cs typeface="Arial Unicode MS" pitchFamily="34" charset="-128"/>
+            </a:endParaRPr>
+          </a:p>
+        </p:txBody>
+      </p:sp>
+      <p:sp>
+        <p:nvSpPr>
+          <p:cNvPr id="52" name="TextBox 51">
+            <a:extLst>
+              <a:ext uri="{FF2B5EF4-FFF2-40B4-BE49-F238E27FC236}">
+                <a16:creationId xmlns:a16="http://schemas.microsoft.com/office/drawing/2014/main" id="{7F0AAD1C-E33C-4D96-924F-1FAEEA73F905}"/>
+              </a:ext>
+            </a:extLst>
+          </p:cNvPr>
+          <p:cNvSpPr txBox="1"/>
+          <p:nvPr/>
+        </p:nvSpPr>
+        <p:spPr>
+          <a:xfrm>
+            <a:off x="9581667" y="1003237"/>
+            <a:ext cx="1325532" cy="430887"/>
+          </a:xfrm>
+          <a:prstGeom prst="rect">
+            <a:avLst/>
+          </a:prstGeom>
+          <a:solidFill>
+            <a:schemeClr val="bg1">
+              <a:alpha val="58000"/>
+            </a:schemeClr>
+          </a:solidFill>
+        </p:spPr>
+        <p:txBody>
+          <a:bodyPr wrap="square" lIns="0" tIns="0" rIns="0" bIns="0" rtlCol="0">
+            <a:spAutoFit/>
+          </a:bodyPr>
+          <a:lstStyle>
+            <a:defPPr>
+              <a:defRPr lang="de-DE"/>
+            </a:defPPr>
+            <a:lvl1pPr fontAlgn="base">
+              <a:spcBef>
+                <a:spcPct val="50000"/>
+              </a:spcBef>
+              <a:spcAft>
+                <a:spcPct val="0"/>
+              </a:spcAft>
+              <a:buClr>
+                <a:srgbClr val="F0AB00"/>
+              </a:buClr>
+              <a:buSzPct val="80000"/>
+              <a:defRPr sz="1400" kern="0">
+                <a:latin typeface="Arial Rounded MT Bold" panose="020F0704030504030204" pitchFamily="34" charset="0"/>
+                <a:ea typeface="Arial Unicode MS" pitchFamily="34" charset="-128"/>
+                <a:cs typeface="Arial Unicode MS" pitchFamily="34" charset="-128"/>
+              </a:defRPr>
+            </a:lvl1pPr>
+          </a:lstStyle>
+          <a:p>
+            <a:r>
+              <a:rPr lang="en-US" dirty="0"/>
+              <a:t>Resource management</a:t>
+            </a:r>
+          </a:p>
+        </p:txBody>
+      </p:sp>
+      <p:sp>
+        <p:nvSpPr>
+          <p:cNvPr id="53" name="Rectangle: Rounded Corners 52">
+            <a:extLst>
+              <a:ext uri="{FF2B5EF4-FFF2-40B4-BE49-F238E27FC236}">
+                <a16:creationId xmlns:a16="http://schemas.microsoft.com/office/drawing/2014/main" id="{434BB0BF-EC3D-49A3-B944-062FBA6CC931}"/>
+              </a:ext>
+            </a:extLst>
+          </p:cNvPr>
+          <p:cNvSpPr/>
+          <p:nvPr/>
+        </p:nvSpPr>
+        <p:spPr bwMode="gray">
+          <a:xfrm>
+            <a:off x="9869137" y="4980205"/>
+            <a:ext cx="1523873" cy="565639"/>
+          </a:xfrm>
+          <a:prstGeom prst="roundRect">
+            <a:avLst/>
+          </a:prstGeom>
+          <a:solidFill>
+            <a:srgbClr val="66CCFF"/>
+          </a:solidFill>
+          <a:ln w="12700" algn="ctr">
+            <a:solidFill>
+              <a:schemeClr val="bg1">
+                <a:lumMod val="75000"/>
+              </a:schemeClr>
+            </a:solidFill>
+            <a:miter lim="800000"/>
+            <a:headEnd/>
+            <a:tailEnd/>
+          </a:ln>
+        </p:spPr>
+        <p:txBody>
+          <a:bodyPr lIns="90000" tIns="72000" rIns="90000" bIns="72000" rtlCol="0" anchor="ctr"/>
+          <a:lstStyle/>
+          <a:p>
+            <a:pPr marR="0" algn="ctr" defTabSz="914400" eaLnBrk="1" fontAlgn="base" latinLnBrk="0" hangingPunct="1">
+              <a:lnSpc>
+                <a:spcPct val="100000"/>
+              </a:lnSpc>
+              <a:spcBef>
+                <a:spcPct val="50000"/>
+              </a:spcBef>
+              <a:spcAft>
+                <a:spcPct val="0"/>
+              </a:spcAft>
+              <a:buClr>
+                <a:srgbClr val="F0AB00"/>
+              </a:buClr>
+              <a:buSzPct val="80000"/>
+              <a:tabLst/>
+            </a:pPr>
+            <a:r>
+              <a:rPr kumimoji="0" lang="en-US" sz="1400" b="0" i="0" u="none" strike="noStrike" kern="0" cap="none" spc="0" normalizeH="0" baseline="0" noProof="0" dirty="0">
+                <a:ln>
+                  <a:noFill/>
+                </a:ln>
+                <a:effectLst/>
+                <a:uLnTx/>
+                <a:uFillTx/>
+                <a:ea typeface="Arial Unicode MS" pitchFamily="34" charset="-128"/>
+                <a:cs typeface="Arial Unicode MS" pitchFamily="34" charset="-128"/>
+              </a:rPr>
+              <a:t>(Cluster) Role</a:t>
+            </a:r>
+          </a:p>
+        </p:txBody>
+      </p:sp>
+      <p:sp>
+        <p:nvSpPr>
+          <p:cNvPr id="55" name="Rectangle: Rounded Corners 54">
+            <a:extLst>
+              <a:ext uri="{FF2B5EF4-FFF2-40B4-BE49-F238E27FC236}">
+                <a16:creationId xmlns:a16="http://schemas.microsoft.com/office/drawing/2014/main" id="{ABE6BDAE-48B0-4669-9800-A1142ED5A919}"/>
+              </a:ext>
+            </a:extLst>
+          </p:cNvPr>
+          <p:cNvSpPr/>
+          <p:nvPr/>
+        </p:nvSpPr>
+        <p:spPr bwMode="gray">
+          <a:xfrm>
+            <a:off x="9869136" y="5673929"/>
+            <a:ext cx="1523873" cy="565639"/>
+          </a:xfrm>
+          <a:prstGeom prst="roundRect">
+            <a:avLst/>
+          </a:prstGeom>
+          <a:solidFill>
+            <a:srgbClr val="66CCFF"/>
+          </a:solidFill>
+          <a:ln w="12700" algn="ctr">
+            <a:solidFill>
+              <a:schemeClr val="bg1">
+                <a:lumMod val="75000"/>
+              </a:schemeClr>
+            </a:solidFill>
+            <a:miter lim="800000"/>
+            <a:headEnd/>
+            <a:tailEnd/>
+          </a:ln>
+        </p:spPr>
+        <p:txBody>
+          <a:bodyPr lIns="90000" tIns="72000" rIns="90000" bIns="72000" rtlCol="0" anchor="ctr"/>
+          <a:lstStyle/>
+          <a:p>
+            <a:pPr marR="0" algn="ctr" defTabSz="914400" eaLnBrk="1" fontAlgn="base" latinLnBrk="0" hangingPunct="1">
+              <a:lnSpc>
+                <a:spcPct val="100000"/>
+              </a:lnSpc>
+              <a:spcBef>
+                <a:spcPct val="50000"/>
+              </a:spcBef>
+              <a:spcAft>
+                <a:spcPct val="0"/>
+              </a:spcAft>
+              <a:buClr>
+                <a:srgbClr val="F0AB00"/>
+              </a:buClr>
+              <a:buSzPct val="80000"/>
+              <a:tabLst/>
+            </a:pPr>
+            <a:r>
+              <a:rPr lang="en-US" sz="1400" kern="0" dirty="0">
+                <a:ea typeface="Arial Unicode MS" pitchFamily="34" charset="-128"/>
+                <a:cs typeface="Arial Unicode MS" pitchFamily="34" charset="-128"/>
+              </a:rPr>
+              <a:t>(Cluster) </a:t>
+            </a:r>
+            <a:r>
+              <a:rPr lang="en-US" sz="1400" kern="0" dirty="0" err="1">
+                <a:ea typeface="Arial Unicode MS" pitchFamily="34" charset="-128"/>
+                <a:cs typeface="Arial Unicode MS" pitchFamily="34" charset="-128"/>
+              </a:rPr>
+              <a:t>Rolebinding</a:t>
+            </a:r>
+            <a:endParaRPr kumimoji="0" lang="en-US" sz="1400" b="0" i="0" u="none" strike="noStrike" kern="0" cap="none" spc="0" normalizeH="0" baseline="0" noProof="0" dirty="0">
+              <a:ln>
+                <a:noFill/>
+              </a:ln>
+              <a:effectLst/>
+              <a:uLnTx/>
+              <a:uFillTx/>
+              <a:ea typeface="Arial Unicode MS" pitchFamily="34" charset="-128"/>
+              <a:cs typeface="Arial Unicode MS" pitchFamily="34" charset="-128"/>
+            </a:endParaRPr>
+          </a:p>
+        </p:txBody>
+      </p:sp>
+      <p:sp>
+        <p:nvSpPr>
+          <p:cNvPr id="56" name="Rectangle 55">
+            <a:extLst>
+              <a:ext uri="{FF2B5EF4-FFF2-40B4-BE49-F238E27FC236}">
+                <a16:creationId xmlns:a16="http://schemas.microsoft.com/office/drawing/2014/main" id="{DDDD1B24-7E65-4919-B719-8B1E14477D9A}"/>
+              </a:ext>
+            </a:extLst>
+          </p:cNvPr>
+          <p:cNvSpPr/>
+          <p:nvPr/>
+        </p:nvSpPr>
+        <p:spPr bwMode="gray">
+          <a:xfrm>
+            <a:off x="9597656" y="4139939"/>
+            <a:ext cx="2092821" cy="2265484"/>
+          </a:xfrm>
+          <a:prstGeom prst="rect">
+            <a:avLst/>
+          </a:prstGeom>
+          <a:noFill/>
+          <a:ln w="25400" algn="ctr">
+            <a:solidFill>
+              <a:schemeClr val="accent1"/>
+            </a:solidFill>
+            <a:miter lim="800000"/>
+            <a:headEnd/>
+            <a:tailEnd/>
+          </a:ln>
+        </p:spPr>
+        <p:txBody>
+          <a:bodyPr lIns="90000" tIns="72000" rIns="90000" bIns="72000" rtlCol="0" anchor="ctr"/>
+          <a:lstStyle/>
+          <a:p>
+            <a:pPr marR="0" algn="ctr" defTabSz="914400" eaLnBrk="1" fontAlgn="base" latinLnBrk="0" hangingPunct="1">
+              <a:lnSpc>
+                <a:spcPct val="100000"/>
+              </a:lnSpc>
+              <a:spcBef>
+                <a:spcPct val="50000"/>
+              </a:spcBef>
+              <a:spcAft>
+                <a:spcPct val="0"/>
+              </a:spcAft>
+              <a:buClr>
+                <a:srgbClr val="F0AB00"/>
+              </a:buClr>
+              <a:buSzPct val="80000"/>
+              <a:tabLst/>
+            </a:pPr>
+            <a:endParaRPr kumimoji="0" lang="en-US" sz="1800" b="0" i="0" u="none" strike="noStrike" kern="0" cap="none" spc="0" normalizeH="0" baseline="0" noProof="0" dirty="0" err="1">
+              <a:ln>
+                <a:noFill/>
+              </a:ln>
+              <a:effectLst/>
+              <a:uLnTx/>
+              <a:uFillTx/>
+              <a:ea typeface="Arial Unicode MS" pitchFamily="34" charset="-128"/>
+              <a:cs typeface="Arial Unicode MS" pitchFamily="34" charset="-128"/>
+            </a:endParaRPr>
+          </a:p>
+        </p:txBody>
+      </p:sp>
+      <p:sp>
+        <p:nvSpPr>
+          <p:cNvPr id="57" name="TextBox 56">
+            <a:extLst>
+              <a:ext uri="{FF2B5EF4-FFF2-40B4-BE49-F238E27FC236}">
+                <a16:creationId xmlns:a16="http://schemas.microsoft.com/office/drawing/2014/main" id="{E76634EA-56A7-4020-96F6-7F2C09220939}"/>
+              </a:ext>
+            </a:extLst>
+          </p:cNvPr>
+          <p:cNvSpPr txBox="1"/>
+          <p:nvPr/>
+        </p:nvSpPr>
+        <p:spPr>
+          <a:xfrm>
+            <a:off x="9635571" y="3824552"/>
+            <a:ext cx="335028" cy="215444"/>
+          </a:xfrm>
+          <a:prstGeom prst="rect">
+            <a:avLst/>
+          </a:prstGeom>
+          <a:solidFill>
+            <a:schemeClr val="bg1">
+              <a:alpha val="58000"/>
+            </a:schemeClr>
+          </a:solidFill>
+        </p:spPr>
+        <p:txBody>
+          <a:bodyPr wrap="none" lIns="0" tIns="0" rIns="0" bIns="0" rtlCol="0">
+            <a:spAutoFit/>
+          </a:bodyPr>
+          <a:lstStyle>
+            <a:defPPr>
+              <a:defRPr lang="de-DE"/>
+            </a:defPPr>
+            <a:lvl1pPr fontAlgn="base">
+              <a:spcBef>
+                <a:spcPct val="50000"/>
+              </a:spcBef>
+              <a:spcAft>
+                <a:spcPct val="0"/>
+              </a:spcAft>
+              <a:buClr>
+                <a:srgbClr val="F0AB00"/>
+              </a:buClr>
+              <a:buSzPct val="80000"/>
+              <a:defRPr sz="1400" kern="0">
+                <a:latin typeface="Arial Rounded MT Bold" panose="020F0704030504030204" pitchFamily="34" charset="0"/>
+                <a:ea typeface="Arial Unicode MS" pitchFamily="34" charset="-128"/>
+                <a:cs typeface="Arial Unicode MS" pitchFamily="34" charset="-128"/>
+              </a:defRPr>
+            </a:lvl1pPr>
+          </a:lstStyle>
+          <a:p>
+            <a:r>
+              <a:rPr lang="en-US" dirty="0"/>
+              <a:t>IAM</a:t>
             </a:r>
           </a:p>
         </p:txBody>
